--- a/Images/Figures_PPT/ComponentsArchaeplastidaPieChart.pptx
+++ b/Images/Figures_PPT/ComponentsArchaeplastidaPieChart.pptx
@@ -2298,738 +2298,741 @@
           </p:nvSpPr>
           <p:spPr>
             <a:xfrm>
-              <a:off x="3013020" y="1749568"/>
-              <a:ext cx="4946936" cy="4947003"/>
+              <a:off x="3012875" y="1749568"/>
+              <a:ext cx="4947049" cy="4946871"/>
             </a:xfrm>
             <a:custGeom>
               <a:avLst/>
               <a:pathLst>
-                <a:path w="4946936" h="4947003">
+                <a:path w="4947049" h="4946871">
                   <a:moveTo>
-                    <a:pt x="2473379" y="2473613"/>
+                    <a:pt x="2473524" y="2473613"/>
                   </a:moveTo>
                   <a:lnTo>
-                    <a:pt x="2471079" y="2388347"/>
-                  </a:lnTo>
-                  <a:lnTo>
-                    <a:pt x="2468779" y="2303081"/>
-                  </a:lnTo>
-                  <a:lnTo>
-                    <a:pt x="2466479" y="2217815"/>
-                  </a:lnTo>
-                  <a:lnTo>
-                    <a:pt x="2464179" y="2132549"/>
-                  </a:lnTo>
-                  <a:lnTo>
-                    <a:pt x="2461879" y="2047283"/>
-                  </a:lnTo>
-                  <a:lnTo>
-                    <a:pt x="2459579" y="1962017"/>
-                  </a:lnTo>
-                  <a:lnTo>
-                    <a:pt x="2457280" y="1876751"/>
-                  </a:lnTo>
-                  <a:lnTo>
-                    <a:pt x="2454980" y="1791485"/>
-                  </a:lnTo>
-                  <a:lnTo>
-                    <a:pt x="2452680" y="1706219"/>
-                  </a:lnTo>
-                  <a:lnTo>
-                    <a:pt x="2450380" y="1620953"/>
-                  </a:lnTo>
-                  <a:lnTo>
-                    <a:pt x="2448080" y="1535687"/>
-                  </a:lnTo>
-                  <a:lnTo>
-                    <a:pt x="2445780" y="1450421"/>
-                  </a:lnTo>
-                  <a:lnTo>
-                    <a:pt x="2443480" y="1365155"/>
-                  </a:lnTo>
-                  <a:lnTo>
-                    <a:pt x="2441180" y="1279889"/>
-                  </a:lnTo>
-                  <a:lnTo>
-                    <a:pt x="2438880" y="1194623"/>
-                  </a:lnTo>
-                  <a:lnTo>
-                    <a:pt x="2436581" y="1109357"/>
-                  </a:lnTo>
-                  <a:lnTo>
-                    <a:pt x="2434281" y="1024091"/>
-                  </a:lnTo>
-                  <a:lnTo>
-                    <a:pt x="2431981" y="938825"/>
-                  </a:lnTo>
-                  <a:lnTo>
-                    <a:pt x="2429681" y="853559"/>
-                  </a:lnTo>
-                  <a:lnTo>
-                    <a:pt x="2427381" y="768293"/>
-                  </a:lnTo>
-                  <a:lnTo>
-                    <a:pt x="2425081" y="683027"/>
-                  </a:lnTo>
-                  <a:lnTo>
-                    <a:pt x="2422781" y="597761"/>
-                  </a:lnTo>
-                  <a:lnTo>
-                    <a:pt x="2420481" y="512495"/>
-                  </a:lnTo>
-                  <a:lnTo>
-                    <a:pt x="2418182" y="427229"/>
-                  </a:lnTo>
-                  <a:lnTo>
-                    <a:pt x="2415882" y="341963"/>
-                  </a:lnTo>
-                  <a:lnTo>
-                    <a:pt x="2413582" y="256697"/>
-                  </a:lnTo>
-                  <a:lnTo>
-                    <a:pt x="2411282" y="171431"/>
-                  </a:lnTo>
-                  <a:lnTo>
-                    <a:pt x="2408982" y="86165"/>
-                  </a:lnTo>
-                  <a:lnTo>
-                    <a:pt x="2406682" y="899"/>
-                  </a:lnTo>
-                  <a:lnTo>
-                    <a:pt x="2322662" y="4595"/>
-                  </a:lnTo>
-                  <a:lnTo>
-                    <a:pt x="2238815" y="11146"/>
-                  </a:lnTo>
-                  <a:lnTo>
-                    <a:pt x="2155240" y="20543"/>
-                  </a:lnTo>
-                  <a:lnTo>
-                    <a:pt x="2072033" y="32776"/>
-                  </a:lnTo>
-                  <a:lnTo>
-                    <a:pt x="1989290" y="47830"/>
-                  </a:lnTo>
-                  <a:lnTo>
-                    <a:pt x="1907106" y="65689"/>
-                  </a:lnTo>
-                  <a:lnTo>
-                    <a:pt x="1825576" y="86331"/>
-                  </a:lnTo>
-                  <a:lnTo>
-                    <a:pt x="1744796" y="109732"/>
-                  </a:lnTo>
-                  <a:lnTo>
-                    <a:pt x="1664858" y="135867"/>
-                  </a:lnTo>
-                  <a:lnTo>
-                    <a:pt x="1585854" y="164703"/>
-                  </a:lnTo>
-                  <a:lnTo>
-                    <a:pt x="1507877" y="196209"/>
-                  </a:lnTo>
-                  <a:lnTo>
-                    <a:pt x="1431015" y="230347"/>
-                  </a:lnTo>
-                  <a:lnTo>
-                    <a:pt x="1355359" y="267078"/>
-                  </a:lnTo>
-                  <a:lnTo>
-                    <a:pt x="1280995" y="306360"/>
-                  </a:lnTo>
-                  <a:lnTo>
-                    <a:pt x="1208009" y="348148"/>
-                  </a:lnTo>
-                  <a:lnTo>
-                    <a:pt x="1136486" y="392392"/>
-                  </a:lnTo>
-                  <a:lnTo>
-                    <a:pt x="1066508" y="439042"/>
-                  </a:lnTo>
-                  <a:lnTo>
-                    <a:pt x="998157" y="488044"/>
-                  </a:lnTo>
-                  <a:lnTo>
-                    <a:pt x="931511" y="539341"/>
-                  </a:lnTo>
-                  <a:lnTo>
-                    <a:pt x="866647" y="592875"/>
-                  </a:lnTo>
-                  <a:lnTo>
-                    <a:pt x="803641" y="648582"/>
-                  </a:lnTo>
-                  <a:lnTo>
-                    <a:pt x="742564" y="706399"/>
-                  </a:lnTo>
-                  <a:lnTo>
-                    <a:pt x="683489" y="766259"/>
-                  </a:lnTo>
-                  <a:lnTo>
-                    <a:pt x="626482" y="828092"/>
-                  </a:lnTo>
-                  <a:lnTo>
-                    <a:pt x="571611" y="891828"/>
-                  </a:lnTo>
-                  <a:lnTo>
-                    <a:pt x="518938" y="957392"/>
-                  </a:lnTo>
-                  <a:lnTo>
-                    <a:pt x="468524" y="1024709"/>
-                  </a:lnTo>
-                  <a:lnTo>
-                    <a:pt x="420428" y="1093701"/>
-                  </a:lnTo>
-                  <a:lnTo>
-                    <a:pt x="374705" y="1164287"/>
-                  </a:lnTo>
-                  <a:lnTo>
-                    <a:pt x="331408" y="1236388"/>
-                  </a:lnTo>
-                  <a:lnTo>
-                    <a:pt x="290587" y="1309919"/>
-                  </a:lnTo>
-                  <a:lnTo>
-                    <a:pt x="252289" y="1384794"/>
-                  </a:lnTo>
-                  <a:lnTo>
-                    <a:pt x="216559" y="1460929"/>
-                  </a:lnTo>
-                  <a:lnTo>
-                    <a:pt x="183437" y="1538234"/>
-                  </a:lnTo>
-                  <a:lnTo>
-                    <a:pt x="152963" y="1616620"/>
-                  </a:lnTo>
-                  <a:lnTo>
-                    <a:pt x="125171" y="1695997"/>
-                  </a:lnTo>
-                  <a:lnTo>
-                    <a:pt x="100094" y="1776273"/>
-                  </a:lnTo>
-                  <a:lnTo>
-                    <a:pt x="77759" y="1857355"/>
-                  </a:lnTo>
-                  <a:lnTo>
-                    <a:pt x="58195" y="1939150"/>
-                  </a:lnTo>
-                  <a:lnTo>
-                    <a:pt x="41422" y="2021562"/>
-                  </a:lnTo>
-                  <a:lnTo>
-                    <a:pt x="27460" y="2104497"/>
-                  </a:lnTo>
-                  <a:lnTo>
-                    <a:pt x="16326" y="2187858"/>
-                  </a:lnTo>
-                  <a:lnTo>
-                    <a:pt x="8032" y="2271550"/>
-                  </a:lnTo>
-                  <a:lnTo>
-                    <a:pt x="2587" y="2355475"/>
-                  </a:lnTo>
-                  <a:lnTo>
-                    <a:pt x="0" y="2439537"/>
-                  </a:lnTo>
-                  <a:lnTo>
-                    <a:pt x="271" y="2523638"/>
-                  </a:lnTo>
-                  <a:lnTo>
-                    <a:pt x="3401" y="2607682"/>
-                  </a:lnTo>
-                  <a:lnTo>
-                    <a:pt x="9386" y="2691570"/>
-                  </a:lnTo>
-                  <a:lnTo>
-                    <a:pt x="18219" y="2775207"/>
-                  </a:lnTo>
-                  <a:lnTo>
-                    <a:pt x="29891" y="2858495"/>
-                  </a:lnTo>
-                  <a:lnTo>
-                    <a:pt x="44387" y="2941338"/>
-                  </a:lnTo>
-                  <a:lnTo>
-                    <a:pt x="61691" y="3023640"/>
-                  </a:lnTo>
-                  <a:lnTo>
-                    <a:pt x="81783" y="3105307"/>
-                  </a:lnTo>
-                  <a:lnTo>
-                    <a:pt x="104640" y="3186243"/>
-                  </a:lnTo>
-                  <a:lnTo>
-                    <a:pt x="130234" y="3266356"/>
-                  </a:lnTo>
-                  <a:lnTo>
-                    <a:pt x="158538" y="3345552"/>
-                  </a:lnTo>
-                  <a:lnTo>
-                    <a:pt x="189517" y="3423740"/>
-                  </a:lnTo>
-                  <a:lnTo>
-                    <a:pt x="223136" y="3500830"/>
-                  </a:lnTo>
-                  <a:lnTo>
-                    <a:pt x="259357" y="3576733"/>
-                  </a:lnTo>
-                  <a:lnTo>
-                    <a:pt x="298136" y="3651360"/>
-                  </a:lnTo>
-                  <a:lnTo>
-                    <a:pt x="339431" y="3724626"/>
-                  </a:lnTo>
-                  <a:lnTo>
-                    <a:pt x="383192" y="3796445"/>
-                  </a:lnTo>
-                  <a:lnTo>
-                    <a:pt x="429369" y="3866736"/>
-                  </a:lnTo>
-                  <a:lnTo>
-                    <a:pt x="477909" y="3935416"/>
-                  </a:lnTo>
-                  <a:lnTo>
-                    <a:pt x="528756" y="4002406"/>
-                  </a:lnTo>
-                  <a:lnTo>
-                    <a:pt x="581851" y="4067630"/>
-                  </a:lnTo>
-                  <a:lnTo>
-                    <a:pt x="637132" y="4131010"/>
-                  </a:lnTo>
-                  <a:lnTo>
-                    <a:pt x="694536" y="4192475"/>
-                  </a:lnTo>
-                  <a:lnTo>
-                    <a:pt x="753996" y="4251952"/>
-                  </a:lnTo>
-                  <a:lnTo>
-                    <a:pt x="815444" y="4309374"/>
-                  </a:lnTo>
-                  <a:lnTo>
-                    <a:pt x="878808" y="4364674"/>
-                  </a:lnTo>
-                  <a:lnTo>
-                    <a:pt x="944016" y="4417788"/>
-                  </a:lnTo>
-                  <a:lnTo>
-                    <a:pt x="1010991" y="4468654"/>
-                  </a:lnTo>
-                  <a:lnTo>
-                    <a:pt x="1079657" y="4517215"/>
-                  </a:lnTo>
-                  <a:lnTo>
-                    <a:pt x="1149934" y="4563413"/>
-                  </a:lnTo>
-                  <a:lnTo>
-                    <a:pt x="1221741" y="4607195"/>
-                  </a:lnTo>
-                  <a:lnTo>
-                    <a:pt x="1294995" y="4648510"/>
-                  </a:lnTo>
-                  <a:lnTo>
-                    <a:pt x="1369611" y="4687312"/>
-                  </a:lnTo>
-                  <a:lnTo>
-                    <a:pt x="1445503" y="4723555"/>
-                  </a:lnTo>
-                  <a:lnTo>
-                    <a:pt x="1522583" y="4757197"/>
-                  </a:lnTo>
-                  <a:lnTo>
-                    <a:pt x="1600762" y="4788199"/>
-                  </a:lnTo>
-                  <a:lnTo>
-                    <a:pt x="1679950" y="4816525"/>
-                  </a:lnTo>
-                  <a:lnTo>
-                    <a:pt x="1760055" y="4842143"/>
-                  </a:lnTo>
-                  <a:lnTo>
-                    <a:pt x="1840984" y="4865024"/>
-                  </a:lnTo>
-                  <a:lnTo>
-                    <a:pt x="1922645" y="4885140"/>
-                  </a:lnTo>
-                  <a:lnTo>
-                    <a:pt x="2004942" y="4902468"/>
-                  </a:lnTo>
-                  <a:lnTo>
-                    <a:pt x="2087781" y="4916988"/>
-                  </a:lnTo>
-                  <a:lnTo>
-                    <a:pt x="2171065" y="4928684"/>
-                  </a:lnTo>
-                  <a:lnTo>
-                    <a:pt x="2254699" y="4937542"/>
-                  </a:lnTo>
-                  <a:lnTo>
-                    <a:pt x="2338586" y="4943552"/>
-                  </a:lnTo>
-                  <a:lnTo>
-                    <a:pt x="2422629" y="4946707"/>
-                  </a:lnTo>
-                  <a:lnTo>
-                    <a:pt x="2506730" y="4947003"/>
-                  </a:lnTo>
-                  <a:lnTo>
-                    <a:pt x="2590793" y="4944439"/>
-                  </a:lnTo>
-                  <a:lnTo>
-                    <a:pt x="2674720" y="4939020"/>
-                  </a:lnTo>
-                  <a:lnTo>
-                    <a:pt x="2758414" y="4930750"/>
-                  </a:lnTo>
-                  <a:lnTo>
-                    <a:pt x="2841779" y="4919640"/>
-                  </a:lnTo>
-                  <a:lnTo>
-                    <a:pt x="2924717" y="4905703"/>
-                  </a:lnTo>
-                  <a:lnTo>
-                    <a:pt x="3007135" y="4888954"/>
-                  </a:lnTo>
-                  <a:lnTo>
-                    <a:pt x="3088935" y="4869413"/>
-                  </a:lnTo>
-                  <a:lnTo>
-                    <a:pt x="3170023" y="4847103"/>
-                  </a:lnTo>
-                  <a:lnTo>
-                    <a:pt x="3250307" y="4822049"/>
-                  </a:lnTo>
-                  <a:lnTo>
-                    <a:pt x="3329692" y="4794280"/>
-                  </a:lnTo>
-                  <a:lnTo>
-                    <a:pt x="3408087" y="4763829"/>
-                  </a:lnTo>
-                  <a:lnTo>
-                    <a:pt x="3485402" y="4730730"/>
-                  </a:lnTo>
-                  <a:lnTo>
-                    <a:pt x="3561547" y="4695022"/>
-                  </a:lnTo>
-                  <a:lnTo>
-                    <a:pt x="3636434" y="4656746"/>
-                  </a:lnTo>
-                  <a:lnTo>
-                    <a:pt x="3709976" y="4615947"/>
-                  </a:lnTo>
-                  <a:lnTo>
-                    <a:pt x="3782089" y="4572671"/>
-                  </a:lnTo>
-                  <a:lnTo>
-                    <a:pt x="3852690" y="4526968"/>
-                  </a:lnTo>
-                  <a:lnTo>
-                    <a:pt x="3921696" y="4478892"/>
-                  </a:lnTo>
-                  <a:lnTo>
-                    <a:pt x="3989027" y="4428498"/>
-                  </a:lnTo>
-                  <a:lnTo>
-                    <a:pt x="4054607" y="4375845"/>
-                  </a:lnTo>
-                  <a:lnTo>
-                    <a:pt x="4118359" y="4320992"/>
-                  </a:lnTo>
-                  <a:lnTo>
-                    <a:pt x="4180209" y="4264004"/>
-                  </a:lnTo>
-                  <a:lnTo>
-                    <a:pt x="4240086" y="4204946"/>
-                  </a:lnTo>
-                  <a:lnTo>
-                    <a:pt x="4297921" y="4143886"/>
-                  </a:lnTo>
-                  <a:lnTo>
-                    <a:pt x="4353647" y="4080896"/>
-                  </a:lnTo>
-                  <a:lnTo>
-                    <a:pt x="4407199" y="4016048"/>
-                  </a:lnTo>
-                  <a:lnTo>
-                    <a:pt x="4458516" y="3949417"/>
-                  </a:lnTo>
-                  <a:lnTo>
-                    <a:pt x="4507538" y="3881080"/>
-                  </a:lnTo>
-                  <a:lnTo>
-                    <a:pt x="4554208" y="3811116"/>
-                  </a:lnTo>
-                  <a:lnTo>
-                    <a:pt x="4598473" y="3739606"/>
-                  </a:lnTo>
-                  <a:lnTo>
-                    <a:pt x="4640282" y="3666633"/>
-                  </a:lnTo>
-                  <a:lnTo>
-                    <a:pt x="4679586" y="3592280"/>
-                  </a:lnTo>
-                  <a:lnTo>
-                    <a:pt x="4716340" y="3516634"/>
-                  </a:lnTo>
-                  <a:lnTo>
-                    <a:pt x="4750500" y="3439783"/>
-                  </a:lnTo>
-                  <a:lnTo>
-                    <a:pt x="4782029" y="3361814"/>
-                  </a:lnTo>
-                  <a:lnTo>
-                    <a:pt x="4810888" y="3282819"/>
-                  </a:lnTo>
-                  <a:lnTo>
-                    <a:pt x="4837046" y="3202889"/>
-                  </a:lnTo>
-                  <a:lnTo>
-                    <a:pt x="4860471" y="3122115"/>
-                  </a:lnTo>
-                  <a:lnTo>
-                    <a:pt x="4881137" y="3040592"/>
-                  </a:lnTo>
-                  <a:lnTo>
-                    <a:pt x="4899020" y="2958414"/>
-                  </a:lnTo>
-                  <a:lnTo>
-                    <a:pt x="4914098" y="2875675"/>
-                  </a:lnTo>
-                  <a:lnTo>
-                    <a:pt x="4926356" y="2792471"/>
-                  </a:lnTo>
-                  <a:lnTo>
-                    <a:pt x="4935777" y="2708898"/>
-                  </a:lnTo>
-                  <a:lnTo>
-                    <a:pt x="4942352" y="2625054"/>
-                  </a:lnTo>
-                  <a:lnTo>
-                    <a:pt x="4946074" y="2541035"/>
-                  </a:lnTo>
-                  <a:lnTo>
-                    <a:pt x="4946936" y="2456937"/>
-                  </a:lnTo>
-                  <a:lnTo>
-                    <a:pt x="4944940" y="2372859"/>
-                  </a:lnTo>
-                  <a:lnTo>
-                    <a:pt x="4940086" y="2288898"/>
-                  </a:lnTo>
-                  <a:lnTo>
-                    <a:pt x="4932381" y="2205150"/>
-                  </a:lnTo>
-                  <a:lnTo>
-                    <a:pt x="4921834" y="2121712"/>
-                  </a:lnTo>
-                  <a:lnTo>
-                    <a:pt x="4908456" y="2038681"/>
-                  </a:lnTo>
-                  <a:lnTo>
-                    <a:pt x="4892263" y="1956153"/>
-                  </a:lnTo>
-                  <a:lnTo>
-                    <a:pt x="4873274" y="1874223"/>
-                  </a:lnTo>
-                  <a:lnTo>
-                    <a:pt x="4851511" y="1792986"/>
-                  </a:lnTo>
-                  <a:lnTo>
-                    <a:pt x="4826998" y="1712535"/>
-                  </a:lnTo>
-                  <a:lnTo>
-                    <a:pt x="4799766" y="1632965"/>
-                  </a:lnTo>
-                  <a:lnTo>
-                    <a:pt x="4769843" y="1554366"/>
-                  </a:lnTo>
-                  <a:lnTo>
-                    <a:pt x="4737267" y="1476830"/>
-                  </a:lnTo>
-                  <a:lnTo>
-                    <a:pt x="4702073" y="1400446"/>
-                  </a:lnTo>
-                  <a:lnTo>
-                    <a:pt x="4664303" y="1325303"/>
-                  </a:lnTo>
-                  <a:lnTo>
-                    <a:pt x="4624000" y="1251487"/>
-                  </a:lnTo>
-                  <a:lnTo>
-                    <a:pt x="4581211" y="1179083"/>
-                  </a:lnTo>
-                  <a:lnTo>
-                    <a:pt x="4535986" y="1108177"/>
-                  </a:lnTo>
-                  <a:lnTo>
-                    <a:pt x="4488376" y="1038848"/>
-                  </a:lnTo>
-                  <a:lnTo>
-                    <a:pt x="4438437" y="971178"/>
-                  </a:lnTo>
-                  <a:lnTo>
-                    <a:pt x="4386227" y="905245"/>
-                  </a:lnTo>
-                  <a:lnTo>
-                    <a:pt x="4331805" y="841125"/>
-                  </a:lnTo>
-                  <a:lnTo>
-                    <a:pt x="4275235" y="778892"/>
-                  </a:lnTo>
-                  <a:lnTo>
-                    <a:pt x="4216582" y="718618"/>
-                  </a:lnTo>
-                  <a:lnTo>
-                    <a:pt x="4155914" y="660373"/>
-                  </a:lnTo>
-                  <a:lnTo>
-                    <a:pt x="4093301" y="604224"/>
-                  </a:lnTo>
-                  <a:lnTo>
-                    <a:pt x="4028816" y="550236"/>
-                  </a:lnTo>
-                  <a:lnTo>
-                    <a:pt x="3962532" y="498471"/>
-                  </a:lnTo>
-                  <a:lnTo>
-                    <a:pt x="3894527" y="448989"/>
-                  </a:lnTo>
-                  <a:lnTo>
-                    <a:pt x="3824879" y="401848"/>
-                  </a:lnTo>
-                  <a:lnTo>
-                    <a:pt x="3753669" y="357102"/>
-                  </a:lnTo>
-                  <a:lnTo>
-                    <a:pt x="3680979" y="314802"/>
-                  </a:lnTo>
-                  <a:lnTo>
-                    <a:pt x="3606893" y="274998"/>
-                  </a:lnTo>
-                  <a:lnTo>
-                    <a:pt x="3531497" y="237735"/>
-                  </a:lnTo>
-                  <a:lnTo>
-                    <a:pt x="3454878" y="203057"/>
-                  </a:lnTo>
-                  <a:lnTo>
-                    <a:pt x="3377123" y="171004"/>
-                  </a:lnTo>
-                  <a:lnTo>
-                    <a:pt x="3298325" y="141612"/>
-                  </a:lnTo>
-                  <a:lnTo>
-                    <a:pt x="3218572" y="114916"/>
-                  </a:lnTo>
-                  <a:lnTo>
-                    <a:pt x="3137959" y="90947"/>
-                  </a:lnTo>
-                  <a:lnTo>
-                    <a:pt x="3056577" y="69732"/>
-                  </a:lnTo>
-                  <a:lnTo>
-                    <a:pt x="2974520" y="51296"/>
-                  </a:lnTo>
-                  <a:lnTo>
-                    <a:pt x="2891885" y="35660"/>
-                  </a:lnTo>
-                  <a:lnTo>
-                    <a:pt x="2808766" y="22842"/>
-                  </a:lnTo>
-                  <a:lnTo>
-                    <a:pt x="2725259" y="12857"/>
-                  </a:lnTo>
-                  <a:lnTo>
-                    <a:pt x="2641461" y="5717"/>
-                  </a:lnTo>
-                  <a:lnTo>
-                    <a:pt x="2557468" y="1429"/>
-                  </a:lnTo>
-                  <a:lnTo>
-                    <a:pt x="2473379" y="0"/>
-                  </a:lnTo>
-                  <a:lnTo>
-                    <a:pt x="2473379" y="85297"/>
-                  </a:lnTo>
-                  <a:lnTo>
-                    <a:pt x="2473379" y="170594"/>
-                  </a:lnTo>
-                  <a:lnTo>
-                    <a:pt x="2473379" y="255891"/>
-                  </a:lnTo>
-                  <a:lnTo>
-                    <a:pt x="2473379" y="341188"/>
-                  </a:lnTo>
-                  <a:lnTo>
-                    <a:pt x="2473379" y="426485"/>
-                  </a:lnTo>
-                  <a:lnTo>
-                    <a:pt x="2473379" y="511782"/>
-                  </a:lnTo>
-                  <a:lnTo>
-                    <a:pt x="2473379" y="597079"/>
-                  </a:lnTo>
-                  <a:lnTo>
-                    <a:pt x="2473379" y="682376"/>
-                  </a:lnTo>
-                  <a:lnTo>
-                    <a:pt x="2473379" y="767673"/>
-                  </a:lnTo>
-                  <a:lnTo>
-                    <a:pt x="2473379" y="852970"/>
-                  </a:lnTo>
-                  <a:lnTo>
-                    <a:pt x="2473379" y="938267"/>
-                  </a:lnTo>
-                  <a:lnTo>
-                    <a:pt x="2473379" y="1023564"/>
-                  </a:lnTo>
-                  <a:lnTo>
-                    <a:pt x="2473379" y="1108861"/>
-                  </a:lnTo>
-                  <a:lnTo>
-                    <a:pt x="2473379" y="1194158"/>
-                  </a:lnTo>
-                  <a:lnTo>
-                    <a:pt x="2473379" y="1279455"/>
-                  </a:lnTo>
-                  <a:lnTo>
-                    <a:pt x="2473379" y="1364752"/>
-                  </a:lnTo>
-                  <a:lnTo>
-                    <a:pt x="2473379" y="1450049"/>
-                  </a:lnTo>
-                  <a:lnTo>
-                    <a:pt x="2473379" y="1535346"/>
-                  </a:lnTo>
-                  <a:lnTo>
-                    <a:pt x="2473379" y="1620643"/>
-                  </a:lnTo>
-                  <a:lnTo>
-                    <a:pt x="2473379" y="1705940"/>
-                  </a:lnTo>
-                  <a:lnTo>
-                    <a:pt x="2473379" y="1791237"/>
-                  </a:lnTo>
-                  <a:lnTo>
-                    <a:pt x="2473379" y="1876534"/>
-                  </a:lnTo>
-                  <a:lnTo>
-                    <a:pt x="2473379" y="1961831"/>
-                  </a:lnTo>
-                  <a:lnTo>
-                    <a:pt x="2473379" y="2047128"/>
-                  </a:lnTo>
-                  <a:lnTo>
-                    <a:pt x="2473379" y="2132425"/>
-                  </a:lnTo>
-                  <a:lnTo>
-                    <a:pt x="2473379" y="2217722"/>
-                  </a:lnTo>
-                  <a:lnTo>
-                    <a:pt x="2473379" y="2303019"/>
-                  </a:lnTo>
-                  <a:lnTo>
-                    <a:pt x="2473379" y="2388316"/>
+                    <a:pt x="2473524" y="2388316"/>
+                  </a:lnTo>
+                  <a:lnTo>
+                    <a:pt x="2473524" y="2303019"/>
+                  </a:lnTo>
+                  <a:lnTo>
+                    <a:pt x="2473524" y="2217722"/>
+                  </a:lnTo>
+                  <a:lnTo>
+                    <a:pt x="2473524" y="2132425"/>
+                  </a:lnTo>
+                  <a:lnTo>
+                    <a:pt x="2473524" y="2047128"/>
+                  </a:lnTo>
+                  <a:lnTo>
+                    <a:pt x="2473524" y="1961831"/>
+                  </a:lnTo>
+                  <a:lnTo>
+                    <a:pt x="2473524" y="1876534"/>
+                  </a:lnTo>
+                  <a:lnTo>
+                    <a:pt x="2473524" y="1791237"/>
+                  </a:lnTo>
+                  <a:lnTo>
+                    <a:pt x="2473524" y="1705940"/>
+                  </a:lnTo>
+                  <a:lnTo>
+                    <a:pt x="2473524" y="1620643"/>
+                  </a:lnTo>
+                  <a:lnTo>
+                    <a:pt x="2473524" y="1535346"/>
+                  </a:lnTo>
+                  <a:lnTo>
+                    <a:pt x="2473524" y="1450049"/>
+                  </a:lnTo>
+                  <a:lnTo>
+                    <a:pt x="2473524" y="1364752"/>
+                  </a:lnTo>
+                  <a:lnTo>
+                    <a:pt x="2473524" y="1279455"/>
+                  </a:lnTo>
+                  <a:lnTo>
+                    <a:pt x="2473524" y="1194158"/>
+                  </a:lnTo>
+                  <a:lnTo>
+                    <a:pt x="2473524" y="1108861"/>
+                  </a:lnTo>
+                  <a:lnTo>
+                    <a:pt x="2473524" y="1023564"/>
+                  </a:lnTo>
+                  <a:lnTo>
+                    <a:pt x="2473524" y="938267"/>
+                  </a:lnTo>
+                  <a:lnTo>
+                    <a:pt x="2473524" y="852970"/>
+                  </a:lnTo>
+                  <a:lnTo>
+                    <a:pt x="2473524" y="767673"/>
+                  </a:lnTo>
+                  <a:lnTo>
+                    <a:pt x="2473524" y="682376"/>
+                  </a:lnTo>
+                  <a:lnTo>
+                    <a:pt x="2473524" y="597079"/>
+                  </a:lnTo>
+                  <a:lnTo>
+                    <a:pt x="2473524" y="511782"/>
+                  </a:lnTo>
+                  <a:lnTo>
+                    <a:pt x="2473524" y="426485"/>
+                  </a:lnTo>
+                  <a:lnTo>
+                    <a:pt x="2473524" y="341188"/>
+                  </a:lnTo>
+                  <a:lnTo>
+                    <a:pt x="2473524" y="255891"/>
+                  </a:lnTo>
+                  <a:lnTo>
+                    <a:pt x="2473524" y="170594"/>
+                  </a:lnTo>
+                  <a:lnTo>
+                    <a:pt x="2473524" y="85297"/>
+                  </a:lnTo>
+                  <a:lnTo>
+                    <a:pt x="2473524" y="0"/>
+                  </a:lnTo>
+                  <a:lnTo>
+                    <a:pt x="2389529" y="1426"/>
+                  </a:lnTo>
+                  <a:lnTo>
+                    <a:pt x="2305630" y="5704"/>
+                  </a:lnTo>
+                  <a:lnTo>
+                    <a:pt x="2221925" y="12828"/>
+                  </a:lnTo>
+                  <a:lnTo>
+                    <a:pt x="2138510" y="22791"/>
+                  </a:lnTo>
+                  <a:lnTo>
+                    <a:pt x="2055481" y="35580"/>
+                  </a:lnTo>
+                  <a:lnTo>
+                    <a:pt x="1972935" y="51182"/>
+                  </a:lnTo>
+                  <a:lnTo>
+                    <a:pt x="1890966" y="69577"/>
+                  </a:lnTo>
+                  <a:lnTo>
+                    <a:pt x="1809669" y="90745"/>
+                  </a:lnTo>
+                  <a:lnTo>
+                    <a:pt x="1729138" y="114661"/>
+                  </a:lnTo>
+                  <a:lnTo>
+                    <a:pt x="1649465" y="141299"/>
+                  </a:lnTo>
+                  <a:lnTo>
+                    <a:pt x="1570743" y="170626"/>
+                  </a:lnTo>
+                  <a:lnTo>
+                    <a:pt x="1493062" y="202609"/>
+                  </a:lnTo>
+                  <a:lnTo>
+                    <a:pt x="1416511" y="237212"/>
+                  </a:lnTo>
+                  <a:lnTo>
+                    <a:pt x="1341180" y="274395"/>
+                  </a:lnTo>
+                  <a:lnTo>
+                    <a:pt x="1267155" y="314114"/>
+                  </a:lnTo>
+                  <a:lnTo>
+                    <a:pt x="1194522" y="356323"/>
+                  </a:lnTo>
+                  <a:lnTo>
+                    <a:pt x="1123363" y="400975"/>
+                  </a:lnTo>
+                  <a:lnTo>
+                    <a:pt x="1053762" y="448017"/>
+                  </a:lnTo>
+                  <a:lnTo>
+                    <a:pt x="985798" y="497396"/>
+                  </a:lnTo>
+                  <a:lnTo>
+                    <a:pt x="919551" y="549053"/>
+                  </a:lnTo>
+                  <a:lnTo>
+                    <a:pt x="855095" y="602931"/>
+                  </a:lnTo>
+                  <a:lnTo>
+                    <a:pt x="792506" y="658966"/>
+                  </a:lnTo>
+                  <a:lnTo>
+                    <a:pt x="731856" y="717094"/>
+                  </a:lnTo>
+                  <a:lnTo>
+                    <a:pt x="673215" y="777249"/>
+                  </a:lnTo>
+                  <a:lnTo>
+                    <a:pt x="616651" y="839359"/>
+                  </a:lnTo>
+                  <a:lnTo>
+                    <a:pt x="562228" y="903355"/>
+                  </a:lnTo>
+                  <a:lnTo>
+                    <a:pt x="510009" y="969162"/>
+                  </a:lnTo>
+                  <a:lnTo>
+                    <a:pt x="460056" y="1036704"/>
+                  </a:lnTo>
+                  <a:lnTo>
+                    <a:pt x="412424" y="1105903"/>
+                  </a:lnTo>
+                  <a:lnTo>
+                    <a:pt x="367170" y="1176680"/>
+                  </a:lnTo>
+                  <a:lnTo>
+                    <a:pt x="324345" y="1248952"/>
+                  </a:lnTo>
+                  <a:lnTo>
+                    <a:pt x="283999" y="1322637"/>
+                  </a:lnTo>
+                  <a:lnTo>
+                    <a:pt x="246179" y="1397650"/>
+                  </a:lnTo>
+                  <a:lnTo>
+                    <a:pt x="210927" y="1473904"/>
+                  </a:lnTo>
+                  <a:lnTo>
+                    <a:pt x="178285" y="1551310"/>
+                  </a:lnTo>
+                  <a:lnTo>
+                    <a:pt x="148290" y="1629781"/>
+                  </a:lnTo>
+                  <a:lnTo>
+                    <a:pt x="120978" y="1709225"/>
+                  </a:lnTo>
+                  <a:lnTo>
+                    <a:pt x="96378" y="1789550"/>
+                  </a:lnTo>
+                  <a:lnTo>
+                    <a:pt x="74521" y="1870664"/>
+                  </a:lnTo>
+                  <a:lnTo>
+                    <a:pt x="55430" y="1952474"/>
+                  </a:lnTo>
+                  <a:lnTo>
+                    <a:pt x="39128" y="2034885"/>
+                  </a:lnTo>
+                  <a:lnTo>
+                    <a:pt x="25635" y="2117802"/>
+                  </a:lnTo>
+                  <a:lnTo>
+                    <a:pt x="14964" y="2201129"/>
+                  </a:lnTo>
+                  <a:lnTo>
+                    <a:pt x="7129" y="2284771"/>
+                  </a:lnTo>
+                  <a:lnTo>
+                    <a:pt x="2139" y="2368630"/>
+                  </a:lnTo>
+                  <a:lnTo>
+                    <a:pt x="0" y="2452611"/>
+                  </a:lnTo>
+                  <a:lnTo>
+                    <a:pt x="713" y="2536615"/>
+                  </a:lnTo>
+                  <a:lnTo>
+                    <a:pt x="4278" y="2620547"/>
+                  </a:lnTo>
+                  <a:lnTo>
+                    <a:pt x="10692" y="2704310"/>
+                  </a:lnTo>
+                  <a:lnTo>
+                    <a:pt x="19946" y="2787806"/>
+                  </a:lnTo>
+                  <a:lnTo>
+                    <a:pt x="32029" y="2870941"/>
+                  </a:lnTo>
+                  <a:lnTo>
+                    <a:pt x="46929" y="2953616"/>
+                  </a:lnTo>
+                  <a:lnTo>
+                    <a:pt x="64628" y="3035739"/>
+                  </a:lnTo>
+                  <a:lnTo>
+                    <a:pt x="85105" y="3117212"/>
+                  </a:lnTo>
+                  <a:lnTo>
+                    <a:pt x="108337" y="3197944"/>
+                  </a:lnTo>
+                  <a:lnTo>
+                    <a:pt x="134297" y="3277840"/>
+                  </a:lnTo>
+                  <a:lnTo>
+                    <a:pt x="162955" y="3356809"/>
+                  </a:lnTo>
+                  <a:lnTo>
+                    <a:pt x="194277" y="3434758"/>
+                  </a:lnTo>
+                  <a:lnTo>
+                    <a:pt x="228229" y="3511600"/>
+                  </a:lnTo>
+                  <a:lnTo>
+                    <a:pt x="264770" y="3587244"/>
+                  </a:lnTo>
+                  <a:lnTo>
+                    <a:pt x="303859" y="3661603"/>
+                  </a:lnTo>
+                  <a:lnTo>
+                    <a:pt x="345451" y="3734593"/>
+                  </a:lnTo>
+                  <a:lnTo>
+                    <a:pt x="389497" y="3806128"/>
+                  </a:lnTo>
+                  <a:lnTo>
+                    <a:pt x="435946" y="3876126"/>
+                  </a:lnTo>
+                  <a:lnTo>
+                    <a:pt x="484746" y="3944506"/>
+                  </a:lnTo>
+                  <a:lnTo>
+                    <a:pt x="535839" y="4011190"/>
+                  </a:lnTo>
+                  <a:lnTo>
+                    <a:pt x="589168" y="4076101"/>
+                  </a:lnTo>
+                  <a:lnTo>
+                    <a:pt x="644669" y="4139163"/>
+                  </a:lnTo>
+                  <a:lnTo>
+                    <a:pt x="702281" y="4200304"/>
+                  </a:lnTo>
+                  <a:lnTo>
+                    <a:pt x="761935" y="4259454"/>
+                  </a:lnTo>
+                  <a:lnTo>
+                    <a:pt x="823563" y="4316544"/>
+                  </a:lnTo>
+                  <a:lnTo>
+                    <a:pt x="887094" y="4371508"/>
+                  </a:lnTo>
+                  <a:lnTo>
+                    <a:pt x="952455" y="4424284"/>
+                  </a:lnTo>
+                  <a:lnTo>
+                    <a:pt x="1019570" y="4474809"/>
+                  </a:lnTo>
+                  <a:lnTo>
+                    <a:pt x="1088363" y="4523026"/>
+                  </a:lnTo>
+                  <a:lnTo>
+                    <a:pt x="1158753" y="4568880"/>
+                  </a:lnTo>
+                  <a:lnTo>
+                    <a:pt x="1230659" y="4612317"/>
+                  </a:lnTo>
+                  <a:lnTo>
+                    <a:pt x="1303999" y="4653287"/>
+                  </a:lnTo>
+                  <a:lnTo>
+                    <a:pt x="1378688" y="4691743"/>
+                  </a:lnTo>
+                  <a:lnTo>
+                    <a:pt x="1454640" y="4727641"/>
+                  </a:lnTo>
+                  <a:lnTo>
+                    <a:pt x="1531766" y="4760939"/>
+                  </a:lnTo>
+                  <a:lnTo>
+                    <a:pt x="1609979" y="4791599"/>
+                  </a:lnTo>
+                  <a:lnTo>
+                    <a:pt x="1689188" y="4819585"/>
+                  </a:lnTo>
+                  <a:lnTo>
+                    <a:pt x="1769302" y="4844866"/>
+                  </a:lnTo>
+                  <a:lnTo>
+                    <a:pt x="1850228" y="4867411"/>
+                  </a:lnTo>
+                  <a:lnTo>
+                    <a:pt x="1931873" y="4887196"/>
+                  </a:lnTo>
+                  <a:lnTo>
+                    <a:pt x="2014142" y="4904196"/>
+                  </a:lnTo>
+                  <a:lnTo>
+                    <a:pt x="2096941" y="4918394"/>
+                  </a:lnTo>
+                  <a:lnTo>
+                    <a:pt x="2180175" y="4929771"/>
+                  </a:lnTo>
+                  <a:lnTo>
+                    <a:pt x="2263747" y="4938316"/>
+                  </a:lnTo>
+                  <a:lnTo>
+                    <a:pt x="2347561" y="4944018"/>
+                  </a:lnTo>
+                  <a:lnTo>
+                    <a:pt x="2431520" y="4946871"/>
+                  </a:lnTo>
+                  <a:lnTo>
+                    <a:pt x="2515528" y="4946871"/>
+                  </a:lnTo>
+                  <a:lnTo>
+                    <a:pt x="2599487" y="4944018"/>
+                  </a:lnTo>
+                  <a:lnTo>
+                    <a:pt x="2683301" y="4938316"/>
+                  </a:lnTo>
+                  <a:lnTo>
+                    <a:pt x="2766873" y="4929771"/>
+                  </a:lnTo>
+                  <a:lnTo>
+                    <a:pt x="2850107" y="4918394"/>
+                  </a:lnTo>
+                  <a:lnTo>
+                    <a:pt x="2932906" y="4904196"/>
+                  </a:lnTo>
+                  <a:lnTo>
+                    <a:pt x="3015176" y="4887196"/>
+                  </a:lnTo>
+                  <a:lnTo>
+                    <a:pt x="3096821" y="4867411"/>
+                  </a:lnTo>
+                  <a:lnTo>
+                    <a:pt x="3177747" y="4844866"/>
+                  </a:lnTo>
+                  <a:lnTo>
+                    <a:pt x="3257860" y="4819585"/>
+                  </a:lnTo>
+                  <a:lnTo>
+                    <a:pt x="3337069" y="4791599"/>
+                  </a:lnTo>
+                  <a:lnTo>
+                    <a:pt x="3415282" y="4760939"/>
+                  </a:lnTo>
+                  <a:lnTo>
+                    <a:pt x="3492409" y="4727641"/>
+                  </a:lnTo>
+                  <a:lnTo>
+                    <a:pt x="3568361" y="4691743"/>
+                  </a:lnTo>
+                  <a:lnTo>
+                    <a:pt x="3643049" y="4653287"/>
+                  </a:lnTo>
+                  <a:lnTo>
+                    <a:pt x="3716389" y="4612317"/>
+                  </a:lnTo>
+                  <a:lnTo>
+                    <a:pt x="3788296" y="4568880"/>
+                  </a:lnTo>
+                  <a:lnTo>
+                    <a:pt x="3858686" y="4523026"/>
+                  </a:lnTo>
+                  <a:lnTo>
+                    <a:pt x="3927478" y="4474809"/>
+                  </a:lnTo>
+                  <a:lnTo>
+                    <a:pt x="3994593" y="4424284"/>
+                  </a:lnTo>
+                  <a:lnTo>
+                    <a:pt x="4059954" y="4371508"/>
+                  </a:lnTo>
+                  <a:lnTo>
+                    <a:pt x="4123486" y="4316544"/>
+                  </a:lnTo>
+                  <a:lnTo>
+                    <a:pt x="4185114" y="4259454"/>
+                  </a:lnTo>
+                  <a:lnTo>
+                    <a:pt x="4244768" y="4200304"/>
+                  </a:lnTo>
+                  <a:lnTo>
+                    <a:pt x="4302379" y="4139163"/>
+                  </a:lnTo>
+                  <a:lnTo>
+                    <a:pt x="4357881" y="4076101"/>
+                  </a:lnTo>
+                  <a:lnTo>
+                    <a:pt x="4411209" y="4011190"/>
+                  </a:lnTo>
+                  <a:lnTo>
+                    <a:pt x="4462303" y="3944506"/>
+                  </a:lnTo>
+                  <a:lnTo>
+                    <a:pt x="4511102" y="3876126"/>
+                  </a:lnTo>
+                  <a:lnTo>
+                    <a:pt x="4557552" y="3806128"/>
+                  </a:lnTo>
+                  <a:lnTo>
+                    <a:pt x="4601598" y="3734593"/>
+                  </a:lnTo>
+                  <a:lnTo>
+                    <a:pt x="4643189" y="3661603"/>
+                  </a:lnTo>
+                  <a:lnTo>
+                    <a:pt x="4682278" y="3587244"/>
+                  </a:lnTo>
+                  <a:lnTo>
+                    <a:pt x="4718819" y="3511600"/>
+                  </a:lnTo>
+                  <a:lnTo>
+                    <a:pt x="4752771" y="3434758"/>
+                  </a:lnTo>
+                  <a:lnTo>
+                    <a:pt x="4784094" y="3356809"/>
+                  </a:lnTo>
+                  <a:lnTo>
+                    <a:pt x="4812752" y="3277840"/>
+                  </a:lnTo>
+                  <a:lnTo>
+                    <a:pt x="4838712" y="3197944"/>
+                  </a:lnTo>
+                  <a:lnTo>
+                    <a:pt x="4861943" y="3117212"/>
+                  </a:lnTo>
+                  <a:lnTo>
+                    <a:pt x="4882421" y="3035739"/>
+                  </a:lnTo>
+                  <a:lnTo>
+                    <a:pt x="4900119" y="2953616"/>
+                  </a:lnTo>
+                  <a:lnTo>
+                    <a:pt x="4915019" y="2870941"/>
+                  </a:lnTo>
+                  <a:lnTo>
+                    <a:pt x="4927103" y="2787806"/>
+                  </a:lnTo>
+                  <a:lnTo>
+                    <a:pt x="4936357" y="2704310"/>
+                  </a:lnTo>
+                  <a:lnTo>
+                    <a:pt x="4942770" y="2620547"/>
+                  </a:lnTo>
+                  <a:lnTo>
+                    <a:pt x="4946336" y="2536615"/>
+                  </a:lnTo>
+                  <a:lnTo>
+                    <a:pt x="4947049" y="2452611"/>
+                  </a:lnTo>
+                  <a:lnTo>
+                    <a:pt x="4944909" y="2368630"/>
+                  </a:lnTo>
+                  <a:lnTo>
+                    <a:pt x="4939919" y="2284771"/>
+                  </a:lnTo>
+                  <a:lnTo>
+                    <a:pt x="4932084" y="2201129"/>
+                  </a:lnTo>
+                  <a:lnTo>
+                    <a:pt x="4921414" y="2117802"/>
+                  </a:lnTo>
+                  <a:lnTo>
+                    <a:pt x="4907920" y="2034885"/>
+                  </a:lnTo>
+                  <a:lnTo>
+                    <a:pt x="4891619" y="1952474"/>
+                  </a:lnTo>
+                  <a:lnTo>
+                    <a:pt x="4872528" y="1870664"/>
+                  </a:lnTo>
+                  <a:lnTo>
+                    <a:pt x="4850670" y="1789550"/>
+                  </a:lnTo>
+                  <a:lnTo>
+                    <a:pt x="4826071" y="1709225"/>
+                  </a:lnTo>
+                  <a:lnTo>
+                    <a:pt x="4798758" y="1629781"/>
+                  </a:lnTo>
+                  <a:lnTo>
+                    <a:pt x="4768763" y="1551310"/>
+                  </a:lnTo>
+                  <a:lnTo>
+                    <a:pt x="4736122" y="1473904"/>
+                  </a:lnTo>
+                  <a:lnTo>
+                    <a:pt x="4700870" y="1397650"/>
+                  </a:lnTo>
+                  <a:lnTo>
+                    <a:pt x="4663049" y="1322637"/>
+                  </a:lnTo>
+                  <a:lnTo>
+                    <a:pt x="4622703" y="1248952"/>
+                  </a:lnTo>
+                  <a:lnTo>
+                    <a:pt x="4579879" y="1176680"/>
+                  </a:lnTo>
+                  <a:lnTo>
+                    <a:pt x="4534624" y="1105903"/>
+                  </a:lnTo>
+                  <a:lnTo>
+                    <a:pt x="4486993" y="1036704"/>
+                  </a:lnTo>
+                  <a:lnTo>
+                    <a:pt x="4437039" y="969162"/>
+                  </a:lnTo>
+                  <a:lnTo>
+                    <a:pt x="4384821" y="903355"/>
+                  </a:lnTo>
+                  <a:lnTo>
+                    <a:pt x="4330398" y="839359"/>
+                  </a:lnTo>
+                  <a:lnTo>
+                    <a:pt x="4273833" y="777249"/>
+                  </a:lnTo>
+                  <a:lnTo>
+                    <a:pt x="4215192" y="717094"/>
+                  </a:lnTo>
+                  <a:lnTo>
+                    <a:pt x="4154542" y="658966"/>
+                  </a:lnTo>
+                  <a:lnTo>
+                    <a:pt x="4091953" y="602931"/>
+                  </a:lnTo>
+                  <a:lnTo>
+                    <a:pt x="4027498" y="549053"/>
+                  </a:lnTo>
+                  <a:lnTo>
+                    <a:pt x="3961250" y="497396"/>
+                  </a:lnTo>
+                  <a:lnTo>
+                    <a:pt x="3893287" y="448017"/>
+                  </a:lnTo>
+                  <a:lnTo>
+                    <a:pt x="3823685" y="400975"/>
+                  </a:lnTo>
+                  <a:lnTo>
+                    <a:pt x="3752527" y="356323"/>
+                  </a:lnTo>
+                  <a:lnTo>
+                    <a:pt x="3679893" y="314114"/>
+                  </a:lnTo>
+                  <a:lnTo>
+                    <a:pt x="3605868" y="274395"/>
+                  </a:lnTo>
+                  <a:lnTo>
+                    <a:pt x="3530537" y="237212"/>
+                  </a:lnTo>
+                  <a:lnTo>
+                    <a:pt x="3453987" y="202609"/>
+                  </a:lnTo>
+                  <a:lnTo>
+                    <a:pt x="3376306" y="170626"/>
+                  </a:lnTo>
+                  <a:lnTo>
+                    <a:pt x="3297584" y="141299"/>
+                  </a:lnTo>
+                  <a:lnTo>
+                    <a:pt x="3217911" y="114661"/>
+                  </a:lnTo>
+                  <a:lnTo>
+                    <a:pt x="3137379" y="90745"/>
+                  </a:lnTo>
+                  <a:lnTo>
+                    <a:pt x="3056082" y="69577"/>
+                  </a:lnTo>
+                  <a:lnTo>
+                    <a:pt x="2974113" y="51182"/>
+                  </a:lnTo>
+                  <a:lnTo>
+                    <a:pt x="2891567" y="35580"/>
+                  </a:lnTo>
+                  <a:lnTo>
+                    <a:pt x="2808539" y="22791"/>
+                  </a:lnTo>
+                  <a:lnTo>
+                    <a:pt x="2725124" y="12828"/>
+                  </a:lnTo>
+                  <a:lnTo>
+                    <a:pt x="2641419" y="5704"/>
+                  </a:lnTo>
+                  <a:lnTo>
+                    <a:pt x="2557520" y="1426"/>
+                  </a:lnTo>
+                  <a:lnTo>
+                    <a:pt x="2473524" y="0"/>
+                  </a:lnTo>
+                  <a:lnTo>
+                    <a:pt x="2473524" y="85297"/>
+                  </a:lnTo>
+                  <a:lnTo>
+                    <a:pt x="2473524" y="170594"/>
+                  </a:lnTo>
+                  <a:lnTo>
+                    <a:pt x="2473524" y="255891"/>
+                  </a:lnTo>
+                  <a:lnTo>
+                    <a:pt x="2473524" y="341188"/>
+                  </a:lnTo>
+                  <a:lnTo>
+                    <a:pt x="2473524" y="426485"/>
+                  </a:lnTo>
+                  <a:lnTo>
+                    <a:pt x="2473524" y="511782"/>
+                  </a:lnTo>
+                  <a:lnTo>
+                    <a:pt x="2473524" y="597079"/>
+                  </a:lnTo>
+                  <a:lnTo>
+                    <a:pt x="2473524" y="682376"/>
+                  </a:lnTo>
+                  <a:lnTo>
+                    <a:pt x="2473524" y="767673"/>
+                  </a:lnTo>
+                  <a:lnTo>
+                    <a:pt x="2473524" y="852970"/>
+                  </a:lnTo>
+                  <a:lnTo>
+                    <a:pt x="2473524" y="938267"/>
+                  </a:lnTo>
+                  <a:lnTo>
+                    <a:pt x="2473524" y="1023564"/>
+                  </a:lnTo>
+                  <a:lnTo>
+                    <a:pt x="2473524" y="1108861"/>
+                  </a:lnTo>
+                  <a:lnTo>
+                    <a:pt x="2473524" y="1194158"/>
+                  </a:lnTo>
+                  <a:lnTo>
+                    <a:pt x="2473524" y="1279455"/>
+                  </a:lnTo>
+                  <a:lnTo>
+                    <a:pt x="2473524" y="1364752"/>
+                  </a:lnTo>
+                  <a:lnTo>
+                    <a:pt x="2473524" y="1450049"/>
+                  </a:lnTo>
+                  <a:lnTo>
+                    <a:pt x="2473524" y="1535346"/>
+                  </a:lnTo>
+                  <a:lnTo>
+                    <a:pt x="2473524" y="1620643"/>
+                  </a:lnTo>
+                  <a:lnTo>
+                    <a:pt x="2473524" y="1705940"/>
+                  </a:lnTo>
+                  <a:lnTo>
+                    <a:pt x="2473524" y="1791237"/>
+                  </a:lnTo>
+                  <a:lnTo>
+                    <a:pt x="2473524" y="1876534"/>
+                  </a:lnTo>
+                  <a:lnTo>
+                    <a:pt x="2473524" y="1961831"/>
+                  </a:lnTo>
+                  <a:lnTo>
+                    <a:pt x="2473524" y="2047128"/>
+                  </a:lnTo>
+                  <a:lnTo>
+                    <a:pt x="2473524" y="2132425"/>
+                  </a:lnTo>
+                  <a:lnTo>
+                    <a:pt x="2473524" y="2217722"/>
+                  </a:lnTo>
+                  <a:lnTo>
+                    <a:pt x="2473524" y="2303019"/>
+                  </a:lnTo>
+                  <a:lnTo>
+                    <a:pt x="2473524" y="2388316"/>
                   </a:lnTo>
                   <a:close/>
                 </a:path>
@@ -3058,230 +3061,13 @@
         </p:sp>
         <p:sp>
           <p:nvSpPr>
-            <p:cNvPr id="6" name="pg5"/>
+            <p:cNvPr id="6" name="tx5"/>
             <p:cNvSpPr/>
             <p:nvPr/>
           </p:nvSpPr>
           <p:spPr>
             <a:xfrm>
-              <a:off x="5419703" y="1749568"/>
-              <a:ext cx="66696" cy="2473613"/>
-            </a:xfrm>
-            <a:custGeom>
-              <a:avLst/>
-              <a:pathLst>
-                <a:path w="66696" h="2473613">
-                  <a:moveTo>
-                    <a:pt x="66696" y="2473613"/>
-                  </a:moveTo>
-                  <a:lnTo>
-                    <a:pt x="66696" y="2388316"/>
-                  </a:lnTo>
-                  <a:lnTo>
-                    <a:pt x="66696" y="2303019"/>
-                  </a:lnTo>
-                  <a:lnTo>
-                    <a:pt x="66696" y="2217722"/>
-                  </a:lnTo>
-                  <a:lnTo>
-                    <a:pt x="66696" y="2132425"/>
-                  </a:lnTo>
-                  <a:lnTo>
-                    <a:pt x="66696" y="2047128"/>
-                  </a:lnTo>
-                  <a:lnTo>
-                    <a:pt x="66696" y="1961831"/>
-                  </a:lnTo>
-                  <a:lnTo>
-                    <a:pt x="66696" y="1876534"/>
-                  </a:lnTo>
-                  <a:lnTo>
-                    <a:pt x="66696" y="1791237"/>
-                  </a:lnTo>
-                  <a:lnTo>
-                    <a:pt x="66696" y="1705940"/>
-                  </a:lnTo>
-                  <a:lnTo>
-                    <a:pt x="66696" y="1620643"/>
-                  </a:lnTo>
-                  <a:lnTo>
-                    <a:pt x="66696" y="1535346"/>
-                  </a:lnTo>
-                  <a:lnTo>
-                    <a:pt x="66696" y="1450049"/>
-                  </a:lnTo>
-                  <a:lnTo>
-                    <a:pt x="66696" y="1364752"/>
-                  </a:lnTo>
-                  <a:lnTo>
-                    <a:pt x="66696" y="1279455"/>
-                  </a:lnTo>
-                  <a:lnTo>
-                    <a:pt x="66696" y="1194158"/>
-                  </a:lnTo>
-                  <a:lnTo>
-                    <a:pt x="66696" y="1108861"/>
-                  </a:lnTo>
-                  <a:lnTo>
-                    <a:pt x="66696" y="1023564"/>
-                  </a:lnTo>
-                  <a:lnTo>
-                    <a:pt x="66696" y="938267"/>
-                  </a:lnTo>
-                  <a:lnTo>
-                    <a:pt x="66696" y="852970"/>
-                  </a:lnTo>
-                  <a:lnTo>
-                    <a:pt x="66696" y="767673"/>
-                  </a:lnTo>
-                  <a:lnTo>
-                    <a:pt x="66696" y="682376"/>
-                  </a:lnTo>
-                  <a:lnTo>
-                    <a:pt x="66696" y="597079"/>
-                  </a:lnTo>
-                  <a:lnTo>
-                    <a:pt x="66696" y="511782"/>
-                  </a:lnTo>
-                  <a:lnTo>
-                    <a:pt x="66696" y="426485"/>
-                  </a:lnTo>
-                  <a:lnTo>
-                    <a:pt x="66696" y="341188"/>
-                  </a:lnTo>
-                  <a:lnTo>
-                    <a:pt x="66696" y="255891"/>
-                  </a:lnTo>
-                  <a:lnTo>
-                    <a:pt x="66696" y="170594"/>
-                  </a:lnTo>
-                  <a:lnTo>
-                    <a:pt x="66696" y="85297"/>
-                  </a:lnTo>
-                  <a:lnTo>
-                    <a:pt x="66696" y="0"/>
-                  </a:lnTo>
-                  <a:lnTo>
-                    <a:pt x="0" y="899"/>
-                  </a:lnTo>
-                  <a:lnTo>
-                    <a:pt x="2299" y="86165"/>
-                  </a:lnTo>
-                  <a:lnTo>
-                    <a:pt x="4599" y="171431"/>
-                  </a:lnTo>
-                  <a:lnTo>
-                    <a:pt x="6899" y="256697"/>
-                  </a:lnTo>
-                  <a:lnTo>
-                    <a:pt x="9199" y="341963"/>
-                  </a:lnTo>
-                  <a:lnTo>
-                    <a:pt x="11499" y="427229"/>
-                  </a:lnTo>
-                  <a:lnTo>
-                    <a:pt x="13799" y="512495"/>
-                  </a:lnTo>
-                  <a:lnTo>
-                    <a:pt x="16099" y="597761"/>
-                  </a:lnTo>
-                  <a:lnTo>
-                    <a:pt x="18399" y="683027"/>
-                  </a:lnTo>
-                  <a:lnTo>
-                    <a:pt x="20698" y="768293"/>
-                  </a:lnTo>
-                  <a:lnTo>
-                    <a:pt x="22998" y="853559"/>
-                  </a:lnTo>
-                  <a:lnTo>
-                    <a:pt x="25298" y="938825"/>
-                  </a:lnTo>
-                  <a:lnTo>
-                    <a:pt x="27598" y="1024091"/>
-                  </a:lnTo>
-                  <a:lnTo>
-                    <a:pt x="29898" y="1109357"/>
-                  </a:lnTo>
-                  <a:lnTo>
-                    <a:pt x="32198" y="1194623"/>
-                  </a:lnTo>
-                  <a:lnTo>
-                    <a:pt x="34498" y="1279889"/>
-                  </a:lnTo>
-                  <a:lnTo>
-                    <a:pt x="36798" y="1365155"/>
-                  </a:lnTo>
-                  <a:lnTo>
-                    <a:pt x="39097" y="1450421"/>
-                  </a:lnTo>
-                  <a:lnTo>
-                    <a:pt x="41397" y="1535687"/>
-                  </a:lnTo>
-                  <a:lnTo>
-                    <a:pt x="43697" y="1620953"/>
-                  </a:lnTo>
-                  <a:lnTo>
-                    <a:pt x="45997" y="1706219"/>
-                  </a:lnTo>
-                  <a:lnTo>
-                    <a:pt x="48297" y="1791485"/>
-                  </a:lnTo>
-                  <a:lnTo>
-                    <a:pt x="50597" y="1876751"/>
-                  </a:lnTo>
-                  <a:lnTo>
-                    <a:pt x="52897" y="1962017"/>
-                  </a:lnTo>
-                  <a:lnTo>
-                    <a:pt x="55197" y="2047283"/>
-                  </a:lnTo>
-                  <a:lnTo>
-                    <a:pt x="57497" y="2132549"/>
-                  </a:lnTo>
-                  <a:lnTo>
-                    <a:pt x="59796" y="2217815"/>
-                  </a:lnTo>
-                  <a:lnTo>
-                    <a:pt x="62096" y="2303081"/>
-                  </a:lnTo>
-                  <a:lnTo>
-                    <a:pt x="64396" y="2388347"/>
-                  </a:lnTo>
-                  <a:close/>
-                </a:path>
-              </a:pathLst>
-            </a:custGeom>
-            <a:solidFill>
-              <a:srgbClr val="819595">
-                <a:alpha val="100000"/>
-              </a:srgbClr>
-            </a:solidFill>
-            <a:ln w="13550" cap="flat">
-              <a:solidFill>
-                <a:srgbClr val="000000">
-                  <a:alpha val="100000"/>
-                </a:srgbClr>
-              </a:solidFill>
-              <a:prstDash val="solid"/>
-              <a:miter/>
-            </a:ln>
-          </p:spPr>
-          <p:txBody>
-            <a:bodyPr/>
-            <a:lstStyle/>
-            <a:p/>
-          </p:txBody>
-        </p:sp>
-        <p:sp>
-          <p:nvSpPr>
-            <p:cNvPr id="7" name="tx6"/>
-            <p:cNvSpPr/>
-            <p:nvPr/>
-          </p:nvSpPr>
-          <p:spPr>
-            <a:xfrm>
-              <a:off x="4852539" y="5177795"/>
+              <a:off x="4835864" y="5177907"/>
               <a:ext cx="1301071" cy="203576"/>
             </a:xfrm>
             <a:prstGeom prst="rect">
@@ -3321,14 +3107,14 @@
         </p:sp>
         <p:sp>
           <p:nvSpPr>
-            <p:cNvPr id="8" name="tx7"/>
+            <p:cNvPr id="7" name="tx6"/>
             <p:cNvSpPr/>
             <p:nvPr/>
           </p:nvSpPr>
           <p:spPr>
             <a:xfrm>
-              <a:off x="5292088" y="5535100"/>
-              <a:ext cx="421974" cy="158478"/>
+              <a:off x="5148904" y="5530130"/>
+              <a:ext cx="674990" cy="163560"/>
             </a:xfrm>
             <a:prstGeom prst="rect">
               <a:avLst/>
@@ -3360,106 +3146,14 @@
                   <a:latin typeface="Arial"/>
                   <a:cs typeface="Arial"/>
                 </a:rPr>
-                <a:t> 464</a:t>
+                <a:t> 100 %</a:t>
               </a:r>
             </a:p>
           </p:txBody>
         </p:sp>
         <p:sp>
           <p:nvSpPr>
-            <p:cNvPr id="9" name="tx8"/>
-            <p:cNvSpPr/>
-            <p:nvPr/>
-          </p:nvSpPr>
-          <p:spPr>
-            <a:xfrm>
-              <a:off x="4963799" y="2747387"/>
-              <a:ext cx="1011850" cy="160596"/>
-            </a:xfrm>
-            <a:prstGeom prst="rect">
-              <a:avLst/>
-            </a:prstGeom>
-            <a:noFill/>
-          </p:spPr>
-          <p:txBody>
-            <a:bodyPr lIns="0" rIns="0" tIns="0" bIns="0" anchorCtr="1" anchor="ctr" wrap="none"/>
-            <a:lstStyle/>
-            <a:p>
-              <a:pPr algn="l" marL="0" marR="0" indent="0">
-                <a:lnSpc>
-                  <a:spcPts val="1707"/>
-                </a:lnSpc>
-                <a:spcBef>
-                  <a:spcPts val="0"/>
-                </a:spcBef>
-                <a:spcAft>
-                  <a:spcPts val="0"/>
-                </a:spcAft>
-              </a:pPr>
-              <a:r>
-                <a:rPr sz="1707">
-                  <a:solidFill>
-                    <a:srgbClr val="000000">
-                      <a:alpha val="100000"/>
-                    </a:srgbClr>
-                  </a:solidFill>
-                  <a:latin typeface="Arial"/>
-                  <a:cs typeface="Arial"/>
-                </a:rPr>
-                <a:t>No TORC </a:t>
-              </a:r>
-            </a:p>
-          </p:txBody>
-        </p:sp>
-        <p:sp>
-          <p:nvSpPr>
-            <p:cNvPr id="10" name="tx9"/>
-            <p:cNvSpPr/>
-            <p:nvPr/>
-          </p:nvSpPr>
-          <p:spPr>
-            <a:xfrm>
-              <a:off x="5379316" y="3064357"/>
-              <a:ext cx="180816" cy="155832"/>
-            </a:xfrm>
-            <a:prstGeom prst="rect">
-              <a:avLst/>
-            </a:prstGeom>
-            <a:noFill/>
-          </p:spPr>
-          <p:txBody>
-            <a:bodyPr lIns="0" rIns="0" tIns="0" bIns="0" anchorCtr="1" anchor="ctr" wrap="none"/>
-            <a:lstStyle/>
-            <a:p>
-              <a:pPr algn="l" marL="0" marR="0" indent="0">
-                <a:lnSpc>
-                  <a:spcPts val="1707"/>
-                </a:lnSpc>
-                <a:spcBef>
-                  <a:spcPts val="0"/>
-                </a:spcBef>
-                <a:spcAft>
-                  <a:spcPts val="0"/>
-                </a:spcAft>
-              </a:pPr>
-              <a:r>
-                <a:rPr sz="1707">
-                  <a:solidFill>
-                    <a:srgbClr val="000000">
-                      <a:alpha val="100000"/>
-                    </a:srgbClr>
-                  </a:solidFill>
-                  <a:latin typeface="Arial"/>
-                  <a:cs typeface="Arial"/>
-                </a:rPr>
-                <a:t> 2</a:t>
-              </a:r>
-            </a:p>
-          </p:txBody>
-        </p:sp>
-        <p:sp>
-          <p:nvSpPr>
-            <p:cNvPr id="11" name="tx10"/>
+            <p:cNvPr id="8" name="tx7"/>
             <p:cNvSpPr/>
             <p:nvPr/>
           </p:nvSpPr>
